--- a/report.pptx
+++ b/report.pptx
@@ -3378,7 +3378,7 @@
               <a:buNone/>
             </a:pPr>
             <a:r>
-              <a:rPr lang="en-US" sz="4450" dirty="0">
+              <a:rPr lang="en-US" sz="4450" b="1" dirty="0">
                 <a:solidFill>
                   <a:srgbClr val="000000"/>
                 </a:solidFill>
@@ -3388,7 +3388,7 @@
               </a:rPr>
               <a:t>Reinforcement Learning 기반 LLM Q&amp;A 라우팅 환경 설계 및 A2C 실험</a:t>
             </a:r>
-            <a:endParaRPr lang="en-US" sz="4450" dirty="0">
+            <a:endParaRPr lang="en-US" sz="4450" b="1" dirty="0">
               <a:latin typeface="Pretendard" panose="02000503000000020004" pitchFamily="2" charset="-127"/>
               <a:ea typeface="Pretendard" panose="02000503000000020004" pitchFamily="2" charset="-127"/>
               <a:cs typeface="Pretendard" panose="02000503000000020004" pitchFamily="2" charset="-127"/>
@@ -3410,8 +3410,8 @@
         </p:nvSpPr>
         <p:spPr>
           <a:xfrm>
-            <a:off x="793790" y="4803696"/>
-            <a:ext cx="7556421" cy="1088708"/>
+            <a:off x="6096000" y="5254960"/>
+            <a:ext cx="7556421" cy="1454600"/>
           </a:xfrm>
           <a:prstGeom prst="rect">
             <a:avLst/>
@@ -3430,7 +3430,7 @@
               <a:buNone/>
             </a:pPr>
             <a:r>
-              <a:rPr lang="en-US" sz="1750" dirty="0" err="1">
+              <a:rPr lang="en-US" altLang="ko-KR" sz="1600" dirty="0">
                 <a:solidFill>
                   <a:srgbClr val="272525"/>
                 </a:solidFill>
@@ -3438,10 +3438,10 @@
                 <a:ea typeface="Pretendard" panose="02000503000000020004" pitchFamily="2" charset="-127"/>
                 <a:cs typeface="Pretendard" panose="02000503000000020004" pitchFamily="2" charset="-127"/>
               </a:rPr>
-              <a:t>컴퓨터공학과</a:t>
-            </a:r>
-            <a:r>
-              <a:rPr lang="en-US" sz="1750" dirty="0">
+              <a:t>Team: </a:t>
+            </a:r>
+            <a:r>
+              <a:rPr lang="ko-KR" altLang="en-US" sz="1600" dirty="0" err="1">
                 <a:solidFill>
                   <a:srgbClr val="272525"/>
                 </a:solidFill>
@@ -3449,50 +3449,9 @@
                 <a:ea typeface="Pretendard" panose="02000503000000020004" pitchFamily="2" charset="-127"/>
                 <a:cs typeface="Pretendard" panose="02000503000000020004" pitchFamily="2" charset="-127"/>
               </a:rPr>
-              <a:t> 3학년</a:t>
-            </a:r>
-          </a:p>
-          <a:p>
-            <a:pPr marL="0" indent="0" algn="l">
-              <a:lnSpc>
-                <a:spcPts val="2850"/>
-              </a:lnSpc>
-              <a:buNone/>
-            </a:pPr>
-            <a:r>
-              <a:rPr lang="en-US" sz="1750" dirty="0" err="1">
-                <a:solidFill>
-                  <a:srgbClr val="272525"/>
-                </a:solidFill>
-                <a:latin typeface="Pretendard" panose="02000503000000020004" pitchFamily="2" charset="-127"/>
-                <a:ea typeface="Pretendard" panose="02000503000000020004" pitchFamily="2" charset="-127"/>
-                <a:cs typeface="Pretendard" panose="02000503000000020004" pitchFamily="2" charset="-127"/>
-              </a:rPr>
-              <a:t>팀명</a:t>
-            </a:r>
-            <a:r>
-              <a:rPr lang="en-US" altLang="ko-KR" sz="1750" dirty="0">
-                <a:solidFill>
-                  <a:srgbClr val="272525"/>
-                </a:solidFill>
-                <a:latin typeface="Pretendard" panose="02000503000000020004" pitchFamily="2" charset="-127"/>
-                <a:ea typeface="Pretendard" panose="02000503000000020004" pitchFamily="2" charset="-127"/>
-                <a:cs typeface="Pretendard" panose="02000503000000020004" pitchFamily="2" charset="-127"/>
-              </a:rPr>
-              <a:t>: </a:t>
-            </a:r>
-            <a:r>
-              <a:rPr lang="ko-KR" altLang="en-US" sz="1750" dirty="0" err="1">
-                <a:solidFill>
-                  <a:srgbClr val="272525"/>
-                </a:solidFill>
-                <a:latin typeface="Pretendard" panose="02000503000000020004" pitchFamily="2" charset="-127"/>
-                <a:ea typeface="Pretendard" panose="02000503000000020004" pitchFamily="2" charset="-127"/>
-                <a:cs typeface="Pretendard" panose="02000503000000020004" pitchFamily="2" charset="-127"/>
-              </a:rPr>
               <a:t>혼자에요</a:t>
             </a:r>
-            <a:endParaRPr lang="en-US" sz="1750" dirty="0">
+            <a:endParaRPr lang="en-US" altLang="ko-KR" sz="1600" dirty="0">
               <a:solidFill>
                 <a:srgbClr val="272525"/>
               </a:solidFill>
@@ -3502,13 +3461,32 @@
             </a:endParaRPr>
           </a:p>
           <a:p>
+            <a:pPr marL="0" indent="0" algn="l">
+              <a:lnSpc>
+                <a:spcPts val="2850"/>
+              </a:lnSpc>
+              <a:buNone/>
+            </a:pPr>
+            <a:r>
+              <a:rPr lang="en-US" sz="1600" dirty="0">
+                <a:solidFill>
+                  <a:srgbClr val="272525"/>
+                </a:solidFill>
+                <a:latin typeface="Pretendard" panose="02000503000000020004" pitchFamily="2" charset="-127"/>
+                <a:ea typeface="Pretendard" panose="02000503000000020004" pitchFamily="2" charset="-127"/>
+                <a:cs typeface="Pretendard" panose="02000503000000020004" pitchFamily="2" charset="-127"/>
+              </a:rPr>
+              <a:t>Student ID: 20231557</a:t>
+            </a:r>
+          </a:p>
+          <a:p>
             <a:pPr>
               <a:lnSpc>
                 <a:spcPts val="2850"/>
               </a:lnSpc>
             </a:pPr>
             <a:r>
-              <a:rPr lang="ko-KR" altLang="en-US" sz="1750" dirty="0">
+              <a:rPr lang="en-US" altLang="ko-KR" sz="1600" dirty="0">
                 <a:solidFill>
                   <a:srgbClr val="272525"/>
                 </a:solidFill>
@@ -3516,10 +3494,10 @@
                 <a:ea typeface="Pretendard" panose="02000503000000020004" pitchFamily="2" charset="-127"/>
                 <a:cs typeface="Pretendard" panose="02000503000000020004" pitchFamily="2" charset="-127"/>
               </a:rPr>
-              <a:t>이름</a:t>
-            </a:r>
-            <a:r>
-              <a:rPr lang="en-US" altLang="ko-KR" sz="1750" dirty="0">
+              <a:t>Name: </a:t>
+            </a:r>
+            <a:r>
+              <a:rPr lang="ko-KR" altLang="en-US" sz="1600" dirty="0">
                 <a:solidFill>
                   <a:srgbClr val="272525"/>
                 </a:solidFill>
@@ -3527,20 +3505,9 @@
                 <a:ea typeface="Pretendard" panose="02000503000000020004" pitchFamily="2" charset="-127"/>
                 <a:cs typeface="Pretendard" panose="02000503000000020004" pitchFamily="2" charset="-127"/>
               </a:rPr>
-              <a:t>: </a:t>
-            </a:r>
-            <a:r>
-              <a:rPr lang="ko-KR" altLang="en-US" sz="1750" dirty="0">
-                <a:solidFill>
-                  <a:srgbClr val="272525"/>
-                </a:solidFill>
-                <a:latin typeface="Pretendard" panose="02000503000000020004" pitchFamily="2" charset="-127"/>
-                <a:ea typeface="Pretendard" panose="02000503000000020004" pitchFamily="2" charset="-127"/>
-                <a:cs typeface="Pretendard" panose="02000503000000020004" pitchFamily="2" charset="-127"/>
-              </a:rPr>
               <a:t>송태호</a:t>
             </a:r>
-            <a:endParaRPr lang="en-US" sz="1750" dirty="0">
+            <a:endParaRPr lang="en-US" altLang="ko-KR" sz="1600" dirty="0">
               <a:solidFill>
                 <a:srgbClr val="272525"/>
               </a:solidFill>
@@ -3550,13 +3517,77 @@
             </a:endParaRPr>
           </a:p>
           <a:p>
+            <a:pPr>
+              <a:lnSpc>
+                <a:spcPts val="2850"/>
+              </a:lnSpc>
+            </a:pPr>
+            <a:r>
+              <a:rPr lang="en-US" sz="1600" dirty="0" err="1">
+                <a:solidFill>
+                  <a:srgbClr val="272525"/>
+                </a:solidFill>
+                <a:latin typeface="Pretendard" panose="02000503000000020004" pitchFamily="2" charset="-127"/>
+                <a:ea typeface="Pretendard" panose="02000503000000020004" pitchFamily="2" charset="-127"/>
+                <a:cs typeface="Pretendard" panose="02000503000000020004" pitchFamily="2" charset="-127"/>
+              </a:rPr>
+              <a:t>Github</a:t>
+            </a:r>
+            <a:r>
+              <a:rPr lang="en-US" sz="1600" dirty="0">
+                <a:solidFill>
+                  <a:srgbClr val="272525"/>
+                </a:solidFill>
+                <a:latin typeface="Pretendard" panose="02000503000000020004" pitchFamily="2" charset="-127"/>
+                <a:ea typeface="Pretendard" panose="02000503000000020004" pitchFamily="2" charset="-127"/>
+                <a:cs typeface="Pretendard" panose="02000503000000020004" pitchFamily="2" charset="-127"/>
+              </a:rPr>
+              <a:t> link: </a:t>
+            </a:r>
+            <a:r>
+              <a:rPr lang="en-US" sz="1600" dirty="0">
+                <a:solidFill>
+                  <a:srgbClr val="272525"/>
+                </a:solidFill>
+                <a:latin typeface="Pretendard" panose="02000503000000020004" pitchFamily="2" charset="-127"/>
+                <a:ea typeface="Pretendard" panose="02000503000000020004" pitchFamily="2" charset="-127"/>
+                <a:cs typeface="Pretendard" panose="02000503000000020004" pitchFamily="2" charset="-127"/>
+                <a:hlinkClick r:id="rId2"/>
+              </a:rPr>
+              <a:t>https://github.com/twotootwo/llm-routing-a2c</a:t>
+            </a:r>
+            <a:endParaRPr lang="en-US" sz="1600" dirty="0">
+              <a:solidFill>
+                <a:srgbClr val="272525"/>
+              </a:solidFill>
+              <a:latin typeface="Pretendard" panose="02000503000000020004" pitchFamily="2" charset="-127"/>
+              <a:ea typeface="Pretendard" panose="02000503000000020004" pitchFamily="2" charset="-127"/>
+              <a:cs typeface="Pretendard" panose="02000503000000020004" pitchFamily="2" charset="-127"/>
+            </a:endParaRPr>
+          </a:p>
+          <a:p>
+            <a:pPr>
+              <a:lnSpc>
+                <a:spcPts val="2850"/>
+              </a:lnSpc>
+            </a:pPr>
+            <a:endParaRPr lang="en-US" sz="1600" dirty="0">
+              <a:solidFill>
+                <a:srgbClr val="272525"/>
+              </a:solidFill>
+              <a:latin typeface="Pretendard" panose="02000503000000020004" pitchFamily="2" charset="-127"/>
+              <a:ea typeface="Pretendard" panose="02000503000000020004" pitchFamily="2" charset="-127"/>
+              <a:cs typeface="Pretendard" panose="02000503000000020004" pitchFamily="2" charset="-127"/>
+            </a:endParaRPr>
+          </a:p>
+          <a:p>
             <a:pPr marL="0" indent="0" algn="l">
               <a:lnSpc>
                 <a:spcPts val="2850"/>
               </a:lnSpc>
               <a:buNone/>
             </a:pPr>
-            <a:endParaRPr lang="en-US" sz="1750" dirty="0">
+            <a:endParaRPr lang="en-US" sz="1600" dirty="0">
               <a:latin typeface="Pretendard" panose="02000503000000020004" pitchFamily="2" charset="-127"/>
               <a:ea typeface="Pretendard" panose="02000503000000020004" pitchFamily="2" charset="-127"/>
               <a:cs typeface="Pretendard" panose="02000503000000020004" pitchFamily="2" charset="-127"/>
@@ -5664,8 +5695,8 @@
           </a:p>
         </p:txBody>
       </p:sp>
-      <mc:AlternateContent xmlns:mc="http://schemas.openxmlformats.org/markup-compatibility/2006">
-        <mc:Choice xmlns:a14="http://schemas.microsoft.com/office/drawing/2010/main" Requires="a14">
+      <mc:AlternateContent xmlns:mc="http://schemas.openxmlformats.org/markup-compatibility/2006" xmlns:a14="http://schemas.microsoft.com/office/drawing/2010/main">
+        <mc:Choice Requires="a14">
           <p:sp>
             <p:nvSpPr>
               <p:cNvPr id="3" name="TextBox 2">
@@ -5694,6 +5725,7 @@
               </a:bodyPr>
               <a:lstStyle/>
               <a:p>
+                <a:pPr/>
                 <a14:m>
                   <m:oMathPara xmlns:m="http://schemas.openxmlformats.org/officeDocument/2006/math">
                     <m:oMathParaPr>
@@ -5712,6 +5744,7 @@
                         <m:e>
                           <m:r>
                             <a:rPr lang="ko-US" i="1" smtClean="0">
+                              <a:latin typeface="Cambria Math" panose="02040503050406030204" pitchFamily="18" charset="0"/>
                               <a:ea typeface="Cambria Math" panose="02040503050406030204" pitchFamily="18" charset="0"/>
                             </a:rPr>
                             <m:t>𝜆</m:t>
@@ -5840,7 +5873,7 @@
             </p:txBody>
           </p:sp>
         </mc:Choice>
-        <mc:Fallback>
+        <mc:Fallback xmlns="">
           <p:sp>
             <p:nvSpPr>
               <p:cNvPr id="3" name="TextBox 2">
